--- a/lectures/lecture-2-3-4/Lecture_2_SQL.pptx
+++ b/lectures/lecture-2-3-4/Lecture_2_SQL.pptx
@@ -14737,8 +14737,8 @@
         </p:nvSpPr>
         <p:spPr>
           <a:xfrm>
-            <a:off x="7553143" y="2274461"/>
-            <a:ext cx="363893" cy="2586952"/>
+            <a:off x="7553143" y="2732123"/>
+            <a:ext cx="363893" cy="2129289"/>
           </a:xfrm>
           <a:prstGeom prst="rightBrace">
             <a:avLst/>
